--- a/Projects/CS4504_project_ideas.pptx
+++ b/Projects/CS4504_project_ideas.pptx
@@ -5,7 +5,7 @@
     <p:sldMasterId id="2147483648" r:id="rId1"/>
   </p:sldMasterIdLst>
   <p:notesMasterIdLst>
-    <p:notesMasterId r:id="rId7"/>
+    <p:notesMasterId r:id="rId8"/>
   </p:notesMasterIdLst>
   <p:sldIdLst>
     <p:sldId id="256" r:id="rId2"/>
@@ -13,21 +13,22 @@
     <p:sldId id="481" r:id="rId4"/>
     <p:sldId id="482" r:id="rId5"/>
     <p:sldId id="483" r:id="rId6"/>
+    <p:sldId id="485" r:id="rId7"/>
   </p:sldIdLst>
   <p:sldSz cx="9144000" cy="6858000" type="screen4x3"/>
   <p:notesSz cx="6858000" cy="9144000"/>
   <p:embeddedFontLst>
     <p:embeddedFont>
       <p:font typeface="Candara" panose="020E0502030303020204" pitchFamily="34" charset="0"/>
-      <p:regular r:id="rId8"/>
-      <p:bold r:id="rId9"/>
-      <p:italic r:id="rId10"/>
-      <p:boldItalic r:id="rId11"/>
+      <p:regular r:id="rId9"/>
+      <p:bold r:id="rId10"/>
+      <p:italic r:id="rId11"/>
+      <p:boldItalic r:id="rId12"/>
     </p:embeddedFont>
     <p:embeddedFont>
       <p:font typeface="Gill Sans" panose="020B0604020202020204" charset="0"/>
-      <p:regular r:id="rId12"/>
-      <p:bold r:id="rId13"/>
+      <p:regular r:id="rId13"/>
+      <p:bold r:id="rId14"/>
     </p:embeddedFont>
   </p:embeddedFontLst>
   <p:defaultTextStyle>
@@ -275,7 +276,7 @@
       </p15:sldGuideLst>
     </p:ext>
     <p:ext uri="http://customooxmlschemas.google.com/">
-      <go:slidesCustomData xmlns:go="http://customooxmlschemas.google.com/" xmlns:p15="http://schemas.microsoft.com/office/powerpoint/2012/main" xmlns:p14="http://schemas.microsoft.com/office/powerpoint/2010/main" xmlns:com="http://schemas.openxmlformats.org/drawingml/2006/compatibility" xmlns:pvml="urn:schemas-microsoft-com:office:powerpoint" xmlns:v="urn:schemas-microsoft-com:vml" xmlns:o="urn:schemas-microsoft-com:office:office" xmlns:dgm="http://schemas.openxmlformats.org/drawingml/2006/diagram" xmlns:c="http://schemas.openxmlformats.org/drawingml/2006/chart" xmlns:mv="urn:schemas-microsoft-com:mac:vml" xmlns:mc="http://schemas.openxmlformats.org/markup-compatibility/2006" xmlns="" r:id="rId42" roundtripDataSignature="AMtx7mgmXquCsPfXBYsBEr1uMehzeHljbg=="/>
+      <go:slidesCustomData xmlns="" xmlns:mc="http://schemas.openxmlformats.org/markup-compatibility/2006" xmlns:mv="urn:schemas-microsoft-com:mac:vml" xmlns:c="http://schemas.openxmlformats.org/drawingml/2006/chart" xmlns:dgm="http://schemas.openxmlformats.org/drawingml/2006/diagram" xmlns:o="urn:schemas-microsoft-com:office:office" xmlns:v="urn:schemas-microsoft-com:vml" xmlns:pvml="urn:schemas-microsoft-com:office:powerpoint" xmlns:com="http://schemas.openxmlformats.org/drawingml/2006/compatibility" xmlns:p14="http://schemas.microsoft.com/office/powerpoint/2010/main" xmlns:p15="http://schemas.microsoft.com/office/powerpoint/2012/main" xmlns:go="http://customooxmlschemas.google.com/" r:id="rId42" roundtripDataSignature="AMtx7mgmXquCsPfXBYsBEr1uMehzeHljbg=="/>
     </p:ext>
   </p:extLst>
 </p:presentation>
@@ -2374,6 +2375,123 @@
 </p:notes>
 </file>
 
+<file path=ppt/notesSlides/notesSlide6.xml><?xml version="1.0" encoding="utf-8"?>
+<p:notes xmlns:a="http://schemas.openxmlformats.org/drawingml/2006/main" xmlns:r="http://schemas.openxmlformats.org/officeDocument/2006/relationships" xmlns:p="http://schemas.openxmlformats.org/presentationml/2006/main">
+  <p:cSld>
+    <p:spTree>
+      <p:nvGrpSpPr>
+        <p:cNvPr id="1" name=""/>
+        <p:cNvGrpSpPr/>
+        <p:nvPr/>
+      </p:nvGrpSpPr>
+      <p:grpSpPr>
+        <a:xfrm>
+          <a:off x="0" y="0"/>
+          <a:ext cx="0" cy="0"/>
+          <a:chOff x="0" y="0"/>
+          <a:chExt cx="0" cy="0"/>
+        </a:xfrm>
+      </p:grpSpPr>
+      <p:sp>
+        <p:nvSpPr>
+          <p:cNvPr id="2" name="Slide Image Placeholder 1"/>
+          <p:cNvSpPr>
+            <a:spLocks noGrp="1" noRot="1" noChangeAspect="1"/>
+          </p:cNvSpPr>
+          <p:nvPr>
+            <p:ph type="sldImg"/>
+          </p:nvPr>
+        </p:nvSpPr>
+        <p:spPr/>
+      </p:sp>
+      <p:sp>
+        <p:nvSpPr>
+          <p:cNvPr id="3" name="Notes Placeholder 2"/>
+          <p:cNvSpPr>
+            <a:spLocks noGrp="1"/>
+          </p:cNvSpPr>
+          <p:nvPr>
+            <p:ph type="body" idx="1"/>
+          </p:nvPr>
+        </p:nvSpPr>
+        <p:spPr/>
+        <p:txBody>
+          <a:bodyPr/>
+          <a:lstStyle/>
+          <a:p>
+            <a:endParaRPr lang="en-US" dirty="0"/>
+          </a:p>
+        </p:txBody>
+      </p:sp>
+      <p:sp>
+        <p:nvSpPr>
+          <p:cNvPr id="4" name="Slide Number Placeholder 3"/>
+          <p:cNvSpPr>
+            <a:spLocks noGrp="1"/>
+          </p:cNvSpPr>
+          <p:nvPr>
+            <p:ph type="sldNum" idx="12"/>
+          </p:nvPr>
+        </p:nvSpPr>
+        <p:spPr/>
+        <p:txBody>
+          <a:bodyPr/>
+          <a:lstStyle/>
+          <a:p>
+            <a:pPr marL="0" marR="0" lvl="0" indent="0" algn="r" rtl="0">
+              <a:lnSpc>
+                <a:spcPct val="100000"/>
+              </a:lnSpc>
+              <a:spcBef>
+                <a:spcPts val="0"/>
+              </a:spcBef>
+              <a:spcAft>
+                <a:spcPts val="0"/>
+              </a:spcAft>
+              <a:buClr>
+                <a:srgbClr val="000000"/>
+              </a:buClr>
+              <a:buSzPts val="1200"/>
+              <a:buFont typeface="Arial"/>
+              <a:buNone/>
+            </a:pPr>
+            <a:fld id="{00000000-1234-1234-1234-123412341234}" type="slidenum">
+              <a:rPr lang="en-US" sz="1200" b="0" i="0" u="none" strike="noStrike" cap="none" smtClean="0">
+                <a:solidFill>
+                  <a:schemeClr val="dk1"/>
+                </a:solidFill>
+                <a:latin typeface="Arial"/>
+                <a:ea typeface="Arial"/>
+                <a:cs typeface="Arial"/>
+                <a:sym typeface="Arial"/>
+              </a:rPr>
+              <a:t>6</a:t>
+            </a:fld>
+            <a:endParaRPr lang="en-US" sz="1200" b="0" i="0" u="none" strike="noStrike" cap="none">
+              <a:solidFill>
+                <a:schemeClr val="dk1"/>
+              </a:solidFill>
+              <a:latin typeface="Arial"/>
+              <a:ea typeface="Arial"/>
+              <a:cs typeface="Arial"/>
+              <a:sym typeface="Arial"/>
+            </a:endParaRPr>
+          </a:p>
+        </p:txBody>
+      </p:sp>
+    </p:spTree>
+    <p:extLst>
+      <p:ext uri="{BB962C8B-B14F-4D97-AF65-F5344CB8AC3E}">
+        <p14:creationId xmlns:p14="http://schemas.microsoft.com/office/powerpoint/2010/main" val="1131712405"/>
+      </p:ext>
+    </p:extLst>
+  </p:cSld>
+  <p:clrMapOvr>
+    <a:masterClrMapping/>
+  </p:clrMapOvr>
+</p:notes>
+</file>
+
 <file path=ppt/slideLayouts/slideLayout1.xml><?xml version="1.0" encoding="utf-8"?>
 <p:sldLayout xmlns:a="http://schemas.openxmlformats.org/drawingml/2006/main" xmlns:r="http://schemas.openxmlformats.org/officeDocument/2006/relationships" xmlns:p="http://schemas.openxmlformats.org/presentationml/2006/main" showMasterSp="0" matchingName="Title Slide" type="title">
   <p:cSld name="TITLE">
@@ -3697,7 +3815,7 @@
             </a:lvl9pPr>
           </a:lstStyle>
           <a:p>
-            <a:endParaRPr/>
+            <a:endParaRPr dirty="0"/>
           </a:p>
         </p:txBody>
       </p:sp>
@@ -3884,7 +4002,7 @@
             </a:lvl9pPr>
           </a:lstStyle>
           <a:p>
-            <a:endParaRPr/>
+            <a:endParaRPr dirty="0"/>
           </a:p>
         </p:txBody>
       </p:sp>
@@ -11556,31 +11674,35 @@
           <a:lstStyle/>
           <a:p>
             <a:r>
-              <a:rPr lang="en-US" sz="2000" dirty="0"/>
+              <a:rPr lang="en-US" sz="2000" dirty="0">
+                <a:latin typeface="+mj-lt"/>
+              </a:rPr>
               <a:t>Title: Adding support for the missing floating-point instructions in gem5 for POWER ISA</a:t>
             </a:r>
           </a:p>
           <a:p>
             <a:pPr lvl="1"/>
             <a:r>
-              <a:rPr lang="en-US" dirty="0"/>
+              <a:rPr lang="en-US" dirty="0">
+                <a:latin typeface="+mj-lt"/>
+              </a:rPr>
               <a:t>Example: </a:t>
             </a:r>
             <a:r>
               <a:rPr lang="en-US" b="0" i="0" u="none" strike="noStrike" baseline="0" dirty="0" err="1">
-                <a:latin typeface="NimbusMonL-Regu"/>
+                <a:latin typeface="+mj-lt"/>
               </a:rPr>
               <a:t>fsqrt</a:t>
             </a:r>
             <a:endParaRPr lang="en-US" dirty="0">
-              <a:latin typeface="NimbusMonL-Regu"/>
+              <a:latin typeface="+mj-lt"/>
             </a:endParaRPr>
           </a:p>
           <a:p>
             <a:pPr lvl="2"/>
             <a:r>
               <a:rPr lang="en-US" sz="2000" b="0" i="0" u="none" strike="noStrike" baseline="0" dirty="0">
-                <a:latin typeface="Gill Sans" panose="020B0604020202020204" charset="0"/>
+                <a:latin typeface="+mj-lt"/>
               </a:rPr>
               <a:t>floating-point instruction that computes the square root of a value</a:t>
             </a:r>
@@ -11589,7 +11711,7 @@
             <a:pPr lvl="1"/>
             <a:r>
               <a:rPr lang="en-US" sz="2000" b="0" i="0" u="none" strike="noStrike" baseline="0" dirty="0">
-                <a:latin typeface="Gill Sans" panose="020B0604020202020204" charset="0"/>
+                <a:latin typeface="+mj-lt"/>
               </a:rPr>
               <a:t>Outcome: Robust and validated floating point arithmetic instruction support</a:t>
             </a:r>
@@ -11598,13 +11720,13 @@
             <a:pPr lvl="1"/>
             <a:r>
               <a:rPr lang="en-US" dirty="0">
-                <a:latin typeface="Gill Sans" panose="020B0604020202020204" charset="0"/>
+                <a:latin typeface="+mj-lt"/>
               </a:rPr>
               <a:t>Input(s): floating point value in </a:t>
             </a:r>
             <a:r>
               <a:rPr lang="en-US" sz="1800" b="0" i="0" u="none" strike="noStrike" baseline="0" dirty="0">
-                <a:latin typeface="Arial" panose="020B0604020202020204" pitchFamily="34" charset="0"/>
+                <a:latin typeface="+mj-lt"/>
               </a:rPr>
               <a:t>FRB register </a:t>
             </a:r>
@@ -11613,13 +11735,13 @@
             <a:pPr lvl="1"/>
             <a:r>
               <a:rPr lang="en-US" dirty="0">
-                <a:latin typeface="Gill Sans" panose="020B0604020202020204" charset="0"/>
+                <a:latin typeface="+mj-lt"/>
               </a:rPr>
               <a:t>Output:  </a:t>
             </a:r>
             <a:r>
               <a:rPr lang="en-US" b="0" i="0" u="none" strike="noStrike" baseline="0" dirty="0">
-                <a:latin typeface="Gill Sans" panose="020B0604020202020204" charset="0"/>
+                <a:latin typeface="+mj-lt"/>
               </a:rPr>
               <a:t>The square root of the floating-point operand in register FRB is placed into register FRT</a:t>
             </a:r>
@@ -11628,7 +11750,7 @@
             <a:pPr lvl="1"/>
             <a:r>
               <a:rPr lang="en-US" dirty="0">
-                <a:latin typeface="Gill Sans" panose="020B0604020202020204" charset="0"/>
+                <a:latin typeface="+mj-lt"/>
               </a:rPr>
               <a:t>Challenges:</a:t>
             </a:r>
@@ -11637,13 +11759,13 @@
             <a:pPr lvl="2"/>
             <a:r>
               <a:rPr lang="en-US" b="0" i="0" u="none" strike="noStrike" baseline="0" dirty="0">
-                <a:latin typeface="Gill Sans" panose="020B0604020202020204" charset="0"/>
+                <a:latin typeface="+mj-lt"/>
               </a:rPr>
               <a:t>Functionally correct floating-point </a:t>
             </a:r>
             <a:r>
               <a:rPr lang="en-US" dirty="0">
-                <a:latin typeface="Gill Sans" panose="020B0604020202020204" charset="0"/>
+                <a:latin typeface="+mj-lt"/>
               </a:rPr>
               <a:t>representation</a:t>
             </a:r>
@@ -11652,80 +11774,92 @@
             <a:pPr lvl="3"/>
             <a:r>
               <a:rPr lang="en-US" b="0" i="0" u="none" strike="noStrike" baseline="0" dirty="0">
-                <a:latin typeface="Gill Sans" panose="020B0604020202020204" charset="0"/>
+                <a:latin typeface="+mj-lt"/>
               </a:rPr>
               <a:t>Issues: </a:t>
             </a:r>
             <a:r>
               <a:rPr lang="en-US" b="0" i="0" u="none" strike="noStrike" baseline="0" dirty="0">
-                <a:latin typeface="Gill Sans" panose="020B0604020202020204" charset="0"/>
+                <a:latin typeface="+mj-lt"/>
                 <a:hlinkClick r:id="rId3"/>
               </a:rPr>
               <a:t>byte-swapping</a:t>
             </a:r>
             <a:endParaRPr lang="en-US" b="0" i="0" u="none" strike="noStrike" baseline="0" dirty="0">
-              <a:latin typeface="Gill Sans" panose="020B0604020202020204" charset="0"/>
+              <a:latin typeface="+mj-lt"/>
             </a:endParaRPr>
           </a:p>
           <a:p>
             <a:pPr lvl="2"/>
             <a:r>
               <a:rPr lang="en-US" dirty="0">
-                <a:latin typeface="Gill Sans" panose="020B0604020202020204" charset="0"/>
+                <a:latin typeface="+mj-lt"/>
               </a:rPr>
               <a:t>Need to</a:t>
             </a:r>
             <a:r>
               <a:rPr lang="en-US" b="0" i="0" u="none" strike="noStrike" baseline="0" dirty="0">
-                <a:latin typeface="Gill Sans" panose="020B0604020202020204" charset="0"/>
+                <a:latin typeface="+mj-lt"/>
               </a:rPr>
               <a:t> h</a:t>
             </a:r>
             <a:r>
               <a:rPr lang="en-US" dirty="0">
-                <a:latin typeface="Gill Sans" panose="020B0604020202020204" charset="0"/>
+                <a:latin typeface="+mj-lt"/>
               </a:rPr>
               <a:t>andle floating-point exceptions</a:t>
             </a:r>
             <a:endParaRPr lang="en-US" b="0" i="0" u="none" strike="noStrike" baseline="0" dirty="0">
-              <a:latin typeface="Gill Sans" panose="020B0604020202020204" charset="0"/>
+              <a:latin typeface="+mj-lt"/>
             </a:endParaRPr>
           </a:p>
           <a:p>
             <a:pPr lvl="2"/>
             <a:endParaRPr lang="en-US" sz="2000" b="0" i="0" u="none" strike="noStrike" baseline="0" dirty="0">
-              <a:latin typeface="Gill Sans" panose="020B0604020202020204" charset="0"/>
+              <a:latin typeface="+mj-lt"/>
             </a:endParaRPr>
           </a:p>
           <a:p>
             <a:pPr lvl="2"/>
             <a:endParaRPr lang="en-US" sz="2000" dirty="0">
-              <a:latin typeface="Gill Sans" panose="020B0604020202020204" charset="0"/>
+              <a:latin typeface="+mj-lt"/>
             </a:endParaRPr>
           </a:p>
           <a:p>
             <a:pPr lvl="1"/>
-            <a:endParaRPr lang="en-US" sz="1800" dirty="0"/>
+            <a:endParaRPr lang="en-US" sz="1800" dirty="0">
+              <a:latin typeface="+mj-lt"/>
+            </a:endParaRPr>
           </a:p>
           <a:p>
             <a:pPr lvl="1"/>
-            <a:endParaRPr lang="en-US" sz="1800" dirty="0"/>
+            <a:endParaRPr lang="en-US" sz="1800" dirty="0">
+              <a:latin typeface="+mj-lt"/>
+            </a:endParaRPr>
           </a:p>
           <a:p>
             <a:pPr lvl="1"/>
-            <a:endParaRPr lang="en-US" sz="1800" dirty="0"/>
+            <a:endParaRPr lang="en-US" sz="1800" dirty="0">
+              <a:latin typeface="+mj-lt"/>
+            </a:endParaRPr>
           </a:p>
           <a:p>
             <a:pPr lvl="1"/>
-            <a:endParaRPr lang="en-US" sz="1800" dirty="0"/>
+            <a:endParaRPr lang="en-US" sz="1800" dirty="0">
+              <a:latin typeface="+mj-lt"/>
+            </a:endParaRPr>
           </a:p>
           <a:p>
             <a:pPr lvl="1"/>
-            <a:endParaRPr lang="en-US" sz="1800" dirty="0"/>
+            <a:endParaRPr lang="en-US" sz="1800" dirty="0">
+              <a:latin typeface="+mj-lt"/>
+            </a:endParaRPr>
           </a:p>
           <a:p>
             <a:pPr lvl="1"/>
-            <a:endParaRPr lang="en-US" sz="1800" dirty="0"/>
+            <a:endParaRPr lang="en-US" sz="1800" dirty="0">
+              <a:latin typeface="+mj-lt"/>
+            </a:endParaRPr>
           </a:p>
         </p:txBody>
       </p:sp>
@@ -11819,37 +11953,43 @@
           <a:lstStyle/>
           <a:p>
             <a:r>
-              <a:rPr lang="en-US" sz="2000" dirty="0"/>
+              <a:rPr lang="en-US" sz="2000" dirty="0">
+                <a:latin typeface="+mj-lt"/>
+                <a:cs typeface="Calibri" panose="020F0502020204030204" pitchFamily="34" charset="0"/>
+              </a:rPr>
               <a:t>Title: Adding support for the out-of-order execution model O3CPU for POWER ISA in gem5</a:t>
             </a:r>
           </a:p>
           <a:p>
             <a:pPr lvl="1"/>
             <a:r>
-              <a:rPr lang="en-US" dirty="0"/>
+              <a:rPr lang="en-US" dirty="0">
+                <a:latin typeface="+mj-lt"/>
+                <a:cs typeface="Calibri" panose="020F0502020204030204" pitchFamily="34" charset="0"/>
+              </a:rPr>
               <a:t>Example: </a:t>
             </a:r>
-            <a:endParaRPr lang="en-US" dirty="0">
-              <a:latin typeface="NimbusMonL-Regu"/>
-            </a:endParaRPr>
           </a:p>
           <a:p>
             <a:pPr lvl="2"/>
             <a:r>
               <a:rPr lang="en-US" sz="2000" dirty="0">
-                <a:latin typeface="Gill Sans" panose="020B0604020202020204" charset="0"/>
+                <a:latin typeface="+mj-lt"/>
+                <a:cs typeface="Calibri" panose="020F0502020204030204" pitchFamily="34" charset="0"/>
               </a:rPr>
               <a:t>O3CPU is supported for X86 ISA in gem5. Use X86 O3CPU as a reference and implement O3CPU for POWER.</a:t>
             </a:r>
             <a:endParaRPr lang="en-US" sz="2000" b="0" i="0" u="none" strike="noStrike" baseline="0" dirty="0">
-              <a:latin typeface="Gill Sans" panose="020B0604020202020204" charset="0"/>
+              <a:latin typeface="+mj-lt"/>
+              <a:cs typeface="Calibri" panose="020F0502020204030204" pitchFamily="34" charset="0"/>
             </a:endParaRPr>
           </a:p>
           <a:p>
             <a:pPr lvl="1"/>
             <a:r>
               <a:rPr lang="en-US" sz="2000" b="0" i="0" u="none" strike="noStrike" baseline="0" dirty="0">
-                <a:latin typeface="Gill Sans" panose="020B0604020202020204" charset="0"/>
+                <a:latin typeface="+mj-lt"/>
+                <a:cs typeface="Calibri" panose="020F0502020204030204" pitchFamily="34" charset="0"/>
               </a:rPr>
               <a:t>Outcome: Robust and validated O3CPU support</a:t>
             </a:r>
@@ -11858,19 +11998,22 @@
             <a:pPr lvl="1"/>
             <a:r>
               <a:rPr lang="en-US" dirty="0">
-                <a:latin typeface="Gill Sans" panose="020B0604020202020204" charset="0"/>
+                <a:latin typeface="+mj-lt"/>
+                <a:cs typeface="Calibri" panose="020F0502020204030204" pitchFamily="34" charset="0"/>
               </a:rPr>
               <a:t>Input(s): A benchmark suite ex. SPEC’17</a:t>
             </a:r>
             <a:endParaRPr lang="en-US" sz="1800" b="0" i="0" u="none" strike="noStrike" baseline="0" dirty="0">
-              <a:latin typeface="Arial" panose="020B0604020202020204" pitchFamily="34" charset="0"/>
+              <a:latin typeface="+mj-lt"/>
+              <a:cs typeface="Calibri" panose="020F0502020204030204" pitchFamily="34" charset="0"/>
             </a:endParaRPr>
           </a:p>
           <a:p>
             <a:pPr lvl="1"/>
             <a:r>
               <a:rPr lang="en-US" dirty="0">
-                <a:latin typeface="Gill Sans" panose="020B0604020202020204" charset="0"/>
+                <a:latin typeface="+mj-lt"/>
+                <a:cs typeface="Calibri" panose="020F0502020204030204" pitchFamily="34" charset="0"/>
               </a:rPr>
               <a:t>Output:  Functionally correct output for the benchmark along with out of order execution</a:t>
             </a:r>
@@ -11879,7 +12022,8 @@
             <a:pPr lvl="1"/>
             <a:r>
               <a:rPr lang="en-US" dirty="0">
-                <a:latin typeface="Gill Sans" panose="020B0604020202020204" charset="0"/>
+                <a:latin typeface="+mj-lt"/>
+                <a:cs typeface="Calibri" panose="020F0502020204030204" pitchFamily="34" charset="0"/>
               </a:rPr>
               <a:t>Challenges:</a:t>
             </a:r>
@@ -11888,7 +12032,8 @@
             <a:pPr lvl="2"/>
             <a:r>
               <a:rPr lang="en-US" dirty="0">
-                <a:latin typeface="Gill Sans" panose="020B0604020202020204" charset="0"/>
+                <a:latin typeface="+mj-lt"/>
+                <a:cs typeface="Calibri" panose="020F0502020204030204" pitchFamily="34" charset="0"/>
               </a:rPr>
               <a:t>Requires significant efforts to implement and to ensure correctness</a:t>
             </a:r>
@@ -11897,7 +12042,8 @@
             <a:pPr lvl="2"/>
             <a:r>
               <a:rPr lang="en-US" dirty="0">
-                <a:latin typeface="Gill Sans" panose="020B0604020202020204" charset="0"/>
+                <a:latin typeface="+mj-lt"/>
+                <a:cs typeface="Calibri" panose="020F0502020204030204" pitchFamily="34" charset="0"/>
               </a:rPr>
               <a:t>Much harder to implement O3CPU with speculation</a:t>
             </a:r>
@@ -11906,7 +12052,8 @@
             <a:pPr lvl="3"/>
             <a:r>
               <a:rPr lang="en-US" b="0" i="0" u="none" strike="noStrike" baseline="0" dirty="0">
-                <a:latin typeface="Gill Sans" panose="020B0604020202020204" charset="0"/>
+                <a:latin typeface="+mj-lt"/>
+                <a:cs typeface="Calibri" panose="020F0502020204030204" pitchFamily="34" charset="0"/>
               </a:rPr>
               <a:t>Consider implementing O3CPU without speculation for baseline and then think about including speculation if time permits</a:t>
             </a:r>
@@ -11914,38 +12061,58 @@
           <a:p>
             <a:pPr lvl="2"/>
             <a:endParaRPr lang="en-US" sz="2000" b="0" i="0" u="none" strike="noStrike" baseline="0" dirty="0">
-              <a:latin typeface="Gill Sans" panose="020B0604020202020204" charset="0"/>
+              <a:latin typeface="+mj-lt"/>
+              <a:cs typeface="Calibri" panose="020F0502020204030204" pitchFamily="34" charset="0"/>
             </a:endParaRPr>
           </a:p>
           <a:p>
             <a:pPr lvl="2"/>
             <a:endParaRPr lang="en-US" sz="2000" dirty="0">
-              <a:latin typeface="Gill Sans" panose="020B0604020202020204" charset="0"/>
+              <a:latin typeface="+mj-lt"/>
+              <a:cs typeface="Calibri" panose="020F0502020204030204" pitchFamily="34" charset="0"/>
             </a:endParaRPr>
           </a:p>
           <a:p>
             <a:pPr lvl="1"/>
-            <a:endParaRPr lang="en-US" sz="1800" dirty="0"/>
+            <a:endParaRPr lang="en-US" sz="1800" dirty="0">
+              <a:latin typeface="+mj-lt"/>
+              <a:cs typeface="Calibri" panose="020F0502020204030204" pitchFamily="34" charset="0"/>
+            </a:endParaRPr>
           </a:p>
           <a:p>
             <a:pPr lvl="1"/>
-            <a:endParaRPr lang="en-US" sz="1800" dirty="0"/>
+            <a:endParaRPr lang="en-US" sz="1800" dirty="0">
+              <a:latin typeface="+mj-lt"/>
+              <a:cs typeface="Calibri" panose="020F0502020204030204" pitchFamily="34" charset="0"/>
+            </a:endParaRPr>
           </a:p>
           <a:p>
             <a:pPr lvl="1"/>
-            <a:endParaRPr lang="en-US" sz="1800" dirty="0"/>
+            <a:endParaRPr lang="en-US" sz="1800" dirty="0">
+              <a:latin typeface="+mj-lt"/>
+              <a:cs typeface="Calibri" panose="020F0502020204030204" pitchFamily="34" charset="0"/>
+            </a:endParaRPr>
           </a:p>
           <a:p>
             <a:pPr lvl="1"/>
-            <a:endParaRPr lang="en-US" sz="1800" dirty="0"/>
+            <a:endParaRPr lang="en-US" sz="1800" dirty="0">
+              <a:latin typeface="+mj-lt"/>
+              <a:cs typeface="Calibri" panose="020F0502020204030204" pitchFamily="34" charset="0"/>
+            </a:endParaRPr>
           </a:p>
           <a:p>
             <a:pPr lvl="1"/>
-            <a:endParaRPr lang="en-US" sz="1800" dirty="0"/>
+            <a:endParaRPr lang="en-US" sz="1800" dirty="0">
+              <a:latin typeface="+mj-lt"/>
+              <a:cs typeface="Calibri" panose="020F0502020204030204" pitchFamily="34" charset="0"/>
+            </a:endParaRPr>
           </a:p>
           <a:p>
             <a:pPr lvl="1"/>
-            <a:endParaRPr lang="en-US" sz="1800" dirty="0"/>
+            <a:endParaRPr lang="en-US" sz="1800" dirty="0">
+              <a:latin typeface="+mj-lt"/>
+              <a:cs typeface="Calibri" panose="020F0502020204030204" pitchFamily="34" charset="0"/>
+            </a:endParaRPr>
           </a:p>
         </p:txBody>
       </p:sp>
@@ -12039,73 +12206,85 @@
           <a:lstStyle/>
           <a:p>
             <a:r>
-              <a:rPr lang="en-US" sz="2000" dirty="0"/>
+              <a:rPr lang="en-US" sz="2000" dirty="0">
+                <a:latin typeface="+mj-lt"/>
+                <a:cs typeface="Calibri" panose="020F0502020204030204" pitchFamily="34" charset="0"/>
+              </a:rPr>
               <a:t>Title: Finding the best cache configuration for a given set of workloads</a:t>
             </a:r>
           </a:p>
           <a:p>
             <a:pPr lvl="1"/>
             <a:r>
-              <a:rPr lang="en-US" dirty="0"/>
+              <a:rPr lang="en-US" dirty="0">
+                <a:latin typeface="+mj-lt"/>
+                <a:cs typeface="Calibri" panose="020F0502020204030204" pitchFamily="34" charset="0"/>
+              </a:rPr>
               <a:t>Example: </a:t>
             </a:r>
-            <a:endParaRPr lang="en-US" dirty="0">
-              <a:latin typeface="NimbusMonL-Regu"/>
-            </a:endParaRPr>
           </a:p>
           <a:p>
             <a:pPr lvl="2"/>
             <a:r>
               <a:rPr lang="en-US" sz="2000" b="0" i="0" u="none" strike="noStrike" baseline="0" dirty="0">
-                <a:latin typeface="Gill Sans" panose="020B0604020202020204" charset="0"/>
+                <a:latin typeface="+mj-lt"/>
+                <a:cs typeface="Calibri" panose="020F0502020204030204" pitchFamily="34" charset="0"/>
               </a:rPr>
               <a:t>Search space exploration into best performing cache parame</a:t>
             </a:r>
             <a:r>
               <a:rPr lang="en-US" sz="2000" dirty="0">
-                <a:latin typeface="Gill Sans" panose="020B0604020202020204" charset="0"/>
+                <a:latin typeface="+mj-lt"/>
+                <a:cs typeface="Calibri" panose="020F0502020204030204" pitchFamily="34" charset="0"/>
               </a:rPr>
               <a:t>ters for a given workload. Tunable parameters include cache size, number of caches (2/3/4-level hierarchy) cache associativity, cache replacement policy etc.</a:t>
             </a:r>
             <a:endParaRPr lang="en-US" sz="2000" b="0" i="0" u="none" strike="noStrike" baseline="0" dirty="0">
-              <a:latin typeface="Gill Sans" panose="020B0604020202020204" charset="0"/>
+              <a:latin typeface="+mj-lt"/>
+              <a:cs typeface="Calibri" panose="020F0502020204030204" pitchFamily="34" charset="0"/>
             </a:endParaRPr>
           </a:p>
           <a:p>
             <a:pPr lvl="1"/>
             <a:r>
               <a:rPr lang="en-US" sz="2000" b="0" i="0" u="none" strike="noStrike" baseline="0" dirty="0">
-                <a:latin typeface="Gill Sans" panose="020B0604020202020204" charset="0"/>
+                <a:latin typeface="+mj-lt"/>
+                <a:cs typeface="Calibri" panose="020F0502020204030204" pitchFamily="34" charset="0"/>
               </a:rPr>
               <a:t>Outcome: Identificat</a:t>
             </a:r>
             <a:r>
               <a:rPr lang="en-US" dirty="0">
-                <a:latin typeface="Gill Sans" panose="020B0604020202020204" charset="0"/>
+                <a:latin typeface="+mj-lt"/>
+                <a:cs typeface="Calibri" panose="020F0502020204030204" pitchFamily="34" charset="0"/>
               </a:rPr>
               <a:t>ion of best performing cache configuration</a:t>
             </a:r>
             <a:endParaRPr lang="en-US" sz="2000" b="0" i="0" u="none" strike="noStrike" baseline="0" dirty="0">
-              <a:latin typeface="Gill Sans" panose="020B0604020202020204" charset="0"/>
+              <a:latin typeface="+mj-lt"/>
+              <a:cs typeface="Calibri" panose="020F0502020204030204" pitchFamily="34" charset="0"/>
             </a:endParaRPr>
           </a:p>
           <a:p>
             <a:pPr lvl="1"/>
             <a:r>
               <a:rPr lang="en-US" dirty="0">
-                <a:latin typeface="Gill Sans" panose="020B0604020202020204" charset="0"/>
+                <a:latin typeface="+mj-lt"/>
+                <a:cs typeface="Calibri" panose="020F0502020204030204" pitchFamily="34" charset="0"/>
               </a:rPr>
               <a:t>Input(s): A set of workloads taken from a benchmark suite ex. SPEC’17</a:t>
             </a:r>
             <a:endParaRPr lang="en-US" sz="1800" b="0" i="0" u="none" strike="noStrike" baseline="0" dirty="0">
-              <a:latin typeface="Arial" panose="020B0604020202020204" pitchFamily="34" charset="0"/>
+              <a:latin typeface="+mj-lt"/>
+              <a:cs typeface="Calibri" panose="020F0502020204030204" pitchFamily="34" charset="0"/>
             </a:endParaRPr>
           </a:p>
           <a:p>
             <a:pPr lvl="1"/>
             <a:r>
               <a:rPr lang="en-US" dirty="0">
-                <a:latin typeface="Gill Sans" panose="020B0604020202020204" charset="0"/>
+                <a:latin typeface="+mj-lt"/>
+                <a:cs typeface="Calibri" panose="020F0502020204030204" pitchFamily="34" charset="0"/>
               </a:rPr>
               <a:t>Output:  Best performing cache configuration for each workload</a:t>
             </a:r>
@@ -12114,7 +12293,8 @@
             <a:pPr lvl="1"/>
             <a:r>
               <a:rPr lang="en-US" dirty="0">
-                <a:latin typeface="Gill Sans" panose="020B0604020202020204" charset="0"/>
+                <a:latin typeface="+mj-lt"/>
+                <a:cs typeface="Calibri" panose="020F0502020204030204" pitchFamily="34" charset="0"/>
               </a:rPr>
               <a:t>Challenges:</a:t>
             </a:r>
@@ -12123,7 +12303,8 @@
             <a:pPr lvl="2"/>
             <a:r>
               <a:rPr lang="en-US" dirty="0">
-                <a:latin typeface="Gill Sans" panose="020B0604020202020204" charset="0"/>
+                <a:latin typeface="+mj-lt"/>
+                <a:cs typeface="Calibri" panose="020F0502020204030204" pitchFamily="34" charset="0"/>
               </a:rPr>
               <a:t>Large number of tunable parameters</a:t>
             </a:r>
@@ -12132,7 +12313,8 @@
             <a:pPr lvl="2"/>
             <a:r>
               <a:rPr lang="en-US" dirty="0">
-                <a:latin typeface="Gill Sans" panose="020B0604020202020204" charset="0"/>
+                <a:latin typeface="+mj-lt"/>
+                <a:cs typeface="Calibri" panose="020F0502020204030204" pitchFamily="34" charset="0"/>
               </a:rPr>
               <a:t>Difficult to automate the evaluation process</a:t>
             </a:r>
@@ -12140,38 +12322,58 @@
           <a:p>
             <a:pPr lvl="2"/>
             <a:endParaRPr lang="en-US" sz="2000" b="0" i="0" u="none" strike="noStrike" baseline="0" dirty="0">
-              <a:latin typeface="Gill Sans" panose="020B0604020202020204" charset="0"/>
+              <a:latin typeface="+mj-lt"/>
+              <a:cs typeface="Calibri" panose="020F0502020204030204" pitchFamily="34" charset="0"/>
             </a:endParaRPr>
           </a:p>
           <a:p>
             <a:pPr lvl="2"/>
             <a:endParaRPr lang="en-US" sz="2000" dirty="0">
-              <a:latin typeface="Gill Sans" panose="020B0604020202020204" charset="0"/>
+              <a:latin typeface="+mj-lt"/>
+              <a:cs typeface="Calibri" panose="020F0502020204030204" pitchFamily="34" charset="0"/>
             </a:endParaRPr>
           </a:p>
           <a:p>
             <a:pPr lvl="1"/>
-            <a:endParaRPr lang="en-US" sz="1800" dirty="0"/>
+            <a:endParaRPr lang="en-US" sz="1800" dirty="0">
+              <a:latin typeface="+mj-lt"/>
+              <a:cs typeface="Calibri" panose="020F0502020204030204" pitchFamily="34" charset="0"/>
+            </a:endParaRPr>
           </a:p>
           <a:p>
             <a:pPr lvl="1"/>
-            <a:endParaRPr lang="en-US" sz="1800" dirty="0"/>
+            <a:endParaRPr lang="en-US" sz="1800" dirty="0">
+              <a:latin typeface="+mj-lt"/>
+              <a:cs typeface="Calibri" panose="020F0502020204030204" pitchFamily="34" charset="0"/>
+            </a:endParaRPr>
           </a:p>
           <a:p>
             <a:pPr lvl="1"/>
-            <a:endParaRPr lang="en-US" sz="1800" dirty="0"/>
+            <a:endParaRPr lang="en-US" sz="1800" dirty="0">
+              <a:latin typeface="+mj-lt"/>
+              <a:cs typeface="Calibri" panose="020F0502020204030204" pitchFamily="34" charset="0"/>
+            </a:endParaRPr>
           </a:p>
           <a:p>
             <a:pPr lvl="1"/>
-            <a:endParaRPr lang="en-US" sz="1800" dirty="0"/>
+            <a:endParaRPr lang="en-US" sz="1800" dirty="0">
+              <a:latin typeface="+mj-lt"/>
+              <a:cs typeface="Calibri" panose="020F0502020204030204" pitchFamily="34" charset="0"/>
+            </a:endParaRPr>
           </a:p>
           <a:p>
             <a:pPr lvl="1"/>
-            <a:endParaRPr lang="en-US" sz="1800" dirty="0"/>
+            <a:endParaRPr lang="en-US" sz="1800" dirty="0">
+              <a:latin typeface="+mj-lt"/>
+              <a:cs typeface="Calibri" panose="020F0502020204030204" pitchFamily="34" charset="0"/>
+            </a:endParaRPr>
           </a:p>
           <a:p>
             <a:pPr lvl="1"/>
-            <a:endParaRPr lang="en-US" sz="1800" dirty="0"/>
+            <a:endParaRPr lang="en-US" sz="1800" dirty="0">
+              <a:latin typeface="+mj-lt"/>
+              <a:cs typeface="Calibri" panose="020F0502020204030204" pitchFamily="34" charset="0"/>
+            </a:endParaRPr>
           </a:p>
         </p:txBody>
       </p:sp>
@@ -12265,67 +12467,78 @@
           <a:lstStyle/>
           <a:p>
             <a:r>
-              <a:rPr lang="en-US" sz="2000" dirty="0"/>
+              <a:rPr lang="en-US" sz="2000" dirty="0">
+                <a:latin typeface="+mj-lt"/>
+                <a:cs typeface="Calibri" panose="020F0502020204030204" pitchFamily="34" charset="0"/>
+              </a:rPr>
               <a:t>Title: Manual vectorization using VSX and MMA instructions</a:t>
             </a:r>
           </a:p>
           <a:p>
             <a:pPr lvl="1"/>
             <a:r>
-              <a:rPr lang="en-US" dirty="0"/>
+              <a:rPr lang="en-US" dirty="0">
+                <a:latin typeface="+mj-lt"/>
+                <a:cs typeface="Calibri" panose="020F0502020204030204" pitchFamily="34" charset="0"/>
+              </a:rPr>
               <a:t>Example: </a:t>
             </a:r>
-            <a:endParaRPr lang="en-US" dirty="0">
-              <a:latin typeface="NimbusMonL-Regu"/>
-            </a:endParaRPr>
           </a:p>
           <a:p>
             <a:pPr lvl="2"/>
             <a:r>
               <a:rPr lang="en-US" sz="2000" dirty="0">
-                <a:latin typeface="Gill Sans" panose="020B0604020202020204" charset="0"/>
+                <a:latin typeface="+mj-lt"/>
+                <a:cs typeface="Calibri" panose="020F0502020204030204" pitchFamily="34" charset="0"/>
               </a:rPr>
               <a:t>Vectorize the image convolution operation</a:t>
             </a:r>
             <a:endParaRPr lang="en-US" sz="2000" b="0" i="0" u="none" strike="noStrike" baseline="0" dirty="0">
-              <a:latin typeface="Gill Sans" panose="020B0604020202020204" charset="0"/>
+              <a:latin typeface="+mj-lt"/>
+              <a:cs typeface="Calibri" panose="020F0502020204030204" pitchFamily="34" charset="0"/>
             </a:endParaRPr>
           </a:p>
           <a:p>
             <a:pPr lvl="1"/>
             <a:r>
               <a:rPr lang="en-US" sz="2000" b="0" i="0" u="none" strike="noStrike" baseline="0" dirty="0">
-                <a:latin typeface="Gill Sans" panose="020B0604020202020204" charset="0"/>
+                <a:latin typeface="+mj-lt"/>
+                <a:cs typeface="Calibri" panose="020F0502020204030204" pitchFamily="34" charset="0"/>
               </a:rPr>
               <a:t>Outcome: </a:t>
             </a:r>
             <a:r>
               <a:rPr lang="en-US" dirty="0">
-                <a:latin typeface="Gill Sans" panose="020B0604020202020204" charset="0"/>
+                <a:latin typeface="+mj-lt"/>
+                <a:cs typeface="Calibri" panose="020F0502020204030204" pitchFamily="34" charset="0"/>
               </a:rPr>
               <a:t>Vectorized code with correct outputs</a:t>
             </a:r>
             <a:endParaRPr lang="en-US" sz="2000" b="0" i="0" u="none" strike="noStrike" baseline="0" dirty="0">
-              <a:latin typeface="Gill Sans" panose="020B0604020202020204" charset="0"/>
+              <a:latin typeface="+mj-lt"/>
+              <a:cs typeface="Calibri" panose="020F0502020204030204" pitchFamily="34" charset="0"/>
             </a:endParaRPr>
           </a:p>
           <a:p>
             <a:pPr lvl="1"/>
             <a:r>
               <a:rPr lang="en-US" dirty="0">
-                <a:latin typeface="Gill Sans" panose="020B0604020202020204" charset="0"/>
+                <a:latin typeface="+mj-lt"/>
+                <a:cs typeface="Calibri" panose="020F0502020204030204" pitchFamily="34" charset="0"/>
               </a:rPr>
               <a:t>Input(s): A set of workloads taken from a benchmark suite ex. SPEC’17</a:t>
             </a:r>
             <a:endParaRPr lang="en-US" sz="1800" b="0" i="0" u="none" strike="noStrike" baseline="0" dirty="0">
-              <a:latin typeface="Arial" panose="020B0604020202020204" pitchFamily="34" charset="0"/>
+              <a:latin typeface="+mj-lt"/>
+              <a:cs typeface="Calibri" panose="020F0502020204030204" pitchFamily="34" charset="0"/>
             </a:endParaRPr>
           </a:p>
           <a:p>
             <a:pPr lvl="1"/>
             <a:r>
               <a:rPr lang="en-US" dirty="0">
-                <a:latin typeface="Gill Sans" panose="020B0604020202020204" charset="0"/>
+                <a:latin typeface="+mj-lt"/>
+                <a:cs typeface="Calibri" panose="020F0502020204030204" pitchFamily="34" charset="0"/>
               </a:rPr>
               <a:t>Output:  A vectorized implementation of the input code that delivers significant performance improvements over the input code</a:t>
             </a:r>
@@ -12334,7 +12547,8 @@
             <a:pPr lvl="1"/>
             <a:r>
               <a:rPr lang="en-US" dirty="0">
-                <a:latin typeface="Gill Sans" panose="020B0604020202020204" charset="0"/>
+                <a:latin typeface="+mj-lt"/>
+                <a:cs typeface="Calibri" panose="020F0502020204030204" pitchFamily="34" charset="0"/>
               </a:rPr>
               <a:t>Challenges:</a:t>
             </a:r>
@@ -12343,7 +12557,8 @@
             <a:pPr lvl="2"/>
             <a:r>
               <a:rPr lang="en-US" dirty="0">
-                <a:latin typeface="Gill Sans" panose="020B0604020202020204" charset="0"/>
+                <a:latin typeface="+mj-lt"/>
+                <a:cs typeface="Calibri" panose="020F0502020204030204" pitchFamily="34" charset="0"/>
               </a:rPr>
               <a:t>VSX/MMA kernels are tedious to write and verify</a:t>
             </a:r>
@@ -12351,50 +12566,72 @@
           <a:p>
             <a:pPr lvl="2"/>
             <a:endParaRPr lang="en-US" dirty="0">
-              <a:latin typeface="Gill Sans" panose="020B0604020202020204" charset="0"/>
+              <a:latin typeface="+mj-lt"/>
+              <a:cs typeface="Calibri" panose="020F0502020204030204" pitchFamily="34" charset="0"/>
             </a:endParaRPr>
           </a:p>
           <a:p>
             <a:pPr lvl="2"/>
             <a:endParaRPr lang="en-US" dirty="0">
-              <a:latin typeface="Gill Sans" panose="020B0604020202020204" charset="0"/>
+              <a:latin typeface="+mj-lt"/>
+              <a:cs typeface="Calibri" panose="020F0502020204030204" pitchFamily="34" charset="0"/>
             </a:endParaRPr>
           </a:p>
           <a:p>
             <a:pPr lvl="2"/>
             <a:endParaRPr lang="en-US" sz="2000" b="0" i="0" u="none" strike="noStrike" baseline="0" dirty="0">
-              <a:latin typeface="Gill Sans" panose="020B0604020202020204" charset="0"/>
+              <a:latin typeface="+mj-lt"/>
+              <a:cs typeface="Calibri" panose="020F0502020204030204" pitchFamily="34" charset="0"/>
             </a:endParaRPr>
           </a:p>
           <a:p>
             <a:pPr lvl="2"/>
             <a:endParaRPr lang="en-US" sz="2000" dirty="0">
-              <a:latin typeface="Gill Sans" panose="020B0604020202020204" charset="0"/>
+              <a:latin typeface="+mj-lt"/>
+              <a:cs typeface="Calibri" panose="020F0502020204030204" pitchFamily="34" charset="0"/>
             </a:endParaRPr>
           </a:p>
           <a:p>
             <a:pPr lvl="1"/>
-            <a:endParaRPr lang="en-US" sz="1800" dirty="0"/>
+            <a:endParaRPr lang="en-US" sz="1800" dirty="0">
+              <a:latin typeface="+mj-lt"/>
+              <a:cs typeface="Calibri" panose="020F0502020204030204" pitchFamily="34" charset="0"/>
+            </a:endParaRPr>
           </a:p>
           <a:p>
             <a:pPr lvl="1"/>
-            <a:endParaRPr lang="en-US" sz="1800" dirty="0"/>
+            <a:endParaRPr lang="en-US" sz="1800" dirty="0">
+              <a:latin typeface="+mj-lt"/>
+              <a:cs typeface="Calibri" panose="020F0502020204030204" pitchFamily="34" charset="0"/>
+            </a:endParaRPr>
           </a:p>
           <a:p>
             <a:pPr lvl="1"/>
-            <a:endParaRPr lang="en-US" sz="1800" dirty="0"/>
+            <a:endParaRPr lang="en-US" sz="1800" dirty="0">
+              <a:latin typeface="+mj-lt"/>
+              <a:cs typeface="Calibri" panose="020F0502020204030204" pitchFamily="34" charset="0"/>
+            </a:endParaRPr>
           </a:p>
           <a:p>
             <a:pPr lvl="1"/>
-            <a:endParaRPr lang="en-US" sz="1800" dirty="0"/>
+            <a:endParaRPr lang="en-US" sz="1800" dirty="0">
+              <a:latin typeface="+mj-lt"/>
+              <a:cs typeface="Calibri" panose="020F0502020204030204" pitchFamily="34" charset="0"/>
+            </a:endParaRPr>
           </a:p>
           <a:p>
             <a:pPr lvl="1"/>
-            <a:endParaRPr lang="en-US" sz="1800" dirty="0"/>
+            <a:endParaRPr lang="en-US" sz="1800" dirty="0">
+              <a:latin typeface="+mj-lt"/>
+              <a:cs typeface="Calibri" panose="020F0502020204030204" pitchFamily="34" charset="0"/>
+            </a:endParaRPr>
           </a:p>
           <a:p>
             <a:pPr lvl="1"/>
-            <a:endParaRPr lang="en-US" sz="1800" dirty="0"/>
+            <a:endParaRPr lang="en-US" sz="1800" dirty="0">
+              <a:latin typeface="+mj-lt"/>
+              <a:cs typeface="Calibri" panose="020F0502020204030204" pitchFamily="34" charset="0"/>
+            </a:endParaRPr>
           </a:p>
         </p:txBody>
       </p:sp>
@@ -12402,6 +12639,796 @@
     <p:extLst>
       <p:ext uri="{BB962C8B-B14F-4D97-AF65-F5344CB8AC3E}">
         <p14:creationId xmlns:p14="http://schemas.microsoft.com/office/powerpoint/2010/main" val="916762005"/>
+      </p:ext>
+    </p:extLst>
+  </p:cSld>
+  <p:clrMapOvr>
+    <a:masterClrMapping/>
+  </p:clrMapOvr>
+</p:sld>
+</file>
+
+<file path=ppt/slides/slide6.xml><?xml version="1.0" encoding="utf-8"?>
+<p:sld xmlns:a="http://schemas.openxmlformats.org/drawingml/2006/main" xmlns:r="http://schemas.openxmlformats.org/officeDocument/2006/relationships" xmlns:p="http://schemas.openxmlformats.org/presentationml/2006/main">
+  <p:cSld>
+    <p:spTree>
+      <p:nvGrpSpPr>
+        <p:cNvPr id="1" name=""/>
+        <p:cNvGrpSpPr/>
+        <p:nvPr/>
+      </p:nvGrpSpPr>
+      <p:grpSpPr>
+        <a:xfrm>
+          <a:off x="0" y="0"/>
+          <a:ext cx="0" cy="0"/>
+          <a:chOff x="0" y="0"/>
+          <a:chExt cx="0" cy="0"/>
+        </a:xfrm>
+      </p:grpSpPr>
+      <p:sp>
+        <p:nvSpPr>
+          <p:cNvPr id="2" name="Title 1">
+            <a:extLst>
+              <a:ext uri="{FF2B5EF4-FFF2-40B4-BE49-F238E27FC236}">
+                <a16:creationId xmlns:a16="http://schemas.microsoft.com/office/drawing/2014/main" id="{F7C189A7-20C4-4DF3-826C-8825123EDBF1}"/>
+              </a:ext>
+            </a:extLst>
+          </p:cNvPr>
+          <p:cNvSpPr>
+            <a:spLocks noGrp="1"/>
+          </p:cNvSpPr>
+          <p:nvPr>
+            <p:ph type="title"/>
+          </p:nvPr>
+        </p:nvSpPr>
+        <p:spPr>
+          <a:xfrm>
+            <a:off x="685800" y="0"/>
+            <a:ext cx="7772400" cy="762000"/>
+          </a:xfrm>
+        </p:spPr>
+        <p:txBody>
+          <a:bodyPr/>
+          <a:lstStyle/>
+          <a:p>
+            <a:r>
+              <a:rPr lang="en-US" dirty="0"/>
+              <a:t>Project Topic 5</a:t>
+            </a:r>
+          </a:p>
+        </p:txBody>
+      </p:sp>
+      <p:sp>
+        <p:nvSpPr>
+          <p:cNvPr id="3" name="Text Placeholder 2">
+            <a:extLst>
+              <a:ext uri="{FF2B5EF4-FFF2-40B4-BE49-F238E27FC236}">
+                <a16:creationId xmlns:a16="http://schemas.microsoft.com/office/drawing/2014/main" id="{F338B8AD-4D5D-49DD-8C37-40CB4E245CFC}"/>
+              </a:ext>
+            </a:extLst>
+          </p:cNvPr>
+          <p:cNvSpPr>
+            <a:spLocks noGrp="1"/>
+          </p:cNvSpPr>
+          <p:nvPr>
+            <p:ph type="body" idx="1"/>
+          </p:nvPr>
+        </p:nvSpPr>
+        <p:spPr>
+          <a:xfrm>
+            <a:off x="117986" y="647700"/>
+            <a:ext cx="5501149" cy="5524500"/>
+          </a:xfrm>
+        </p:spPr>
+        <p:txBody>
+          <a:bodyPr/>
+          <a:lstStyle/>
+          <a:p>
+            <a:r>
+              <a:rPr lang="en-US" sz="2000" dirty="0">
+                <a:latin typeface="+mj-lt"/>
+                <a:cs typeface="Calibri" panose="020F0502020204030204" pitchFamily="34" charset="0"/>
+              </a:rPr>
+              <a:t>Title: Adding new instructions in Microwatt</a:t>
+            </a:r>
+            <a:r>
+              <a:rPr lang="en-US" dirty="0">
+                <a:latin typeface="+mj-lt"/>
+                <a:cs typeface="Calibri" panose="020F0502020204030204" pitchFamily="34" charset="0"/>
+              </a:rPr>
+              <a:t> </a:t>
+            </a:r>
+          </a:p>
+          <a:p>
+            <a:pPr lvl="1"/>
+            <a:r>
+              <a:rPr lang="en-US" sz="2200" b="0" i="0" u="none" strike="noStrike" baseline="0" dirty="0">
+                <a:latin typeface="+mj-lt"/>
+                <a:cs typeface="Calibri" panose="020F0502020204030204" pitchFamily="34" charset="0"/>
+              </a:rPr>
+              <a:t>Add  one (or more) </a:t>
+            </a:r>
+            <a:r>
+              <a:rPr lang="en-US" sz="2200" dirty="0">
+                <a:latin typeface="+mj-lt"/>
+                <a:cs typeface="Calibri" panose="020F0502020204030204" pitchFamily="34" charset="0"/>
+              </a:rPr>
+              <a:t>VSX instructions</a:t>
+            </a:r>
+          </a:p>
+          <a:p>
+            <a:pPr lvl="2"/>
+            <a:r>
+              <a:rPr lang="en-US" sz="2000" dirty="0">
+                <a:latin typeface="+mj-lt"/>
+                <a:cs typeface="Calibri" panose="020F0502020204030204" pitchFamily="34" charset="0"/>
+              </a:rPr>
+              <a:t>Example </a:t>
+            </a:r>
+            <a:r>
+              <a:rPr lang="en-US" sz="1800" b="0" i="0" u="none" strike="noStrike" baseline="0" dirty="0" err="1">
+                <a:latin typeface="+mj-lt"/>
+              </a:rPr>
+              <a:t>xxlor</a:t>
+            </a:r>
+            <a:r>
+              <a:rPr lang="en-US" sz="1800" b="0" i="0" u="none" strike="noStrike" baseline="0" dirty="0">
+                <a:latin typeface="+mj-lt"/>
+              </a:rPr>
+              <a:t> : Performs bitwise or on two vectors</a:t>
+            </a:r>
+            <a:endParaRPr lang="en-US" sz="2000" b="0" i="0" u="none" strike="noStrike" baseline="0" dirty="0">
+              <a:latin typeface="+mj-lt"/>
+              <a:cs typeface="Calibri" panose="020F0502020204030204" pitchFamily="34" charset="0"/>
+            </a:endParaRPr>
+          </a:p>
+          <a:p>
+            <a:pPr lvl="1"/>
+            <a:r>
+              <a:rPr lang="en-US" sz="2000" b="0" i="0" u="none" strike="noStrike" baseline="0" dirty="0">
+                <a:latin typeface="+mj-lt"/>
+                <a:cs typeface="Calibri" panose="020F0502020204030204" pitchFamily="34" charset="0"/>
+              </a:rPr>
+              <a:t>Outcome: </a:t>
+            </a:r>
+            <a:r>
+              <a:rPr lang="en-US" dirty="0">
+                <a:latin typeface="+mj-lt"/>
+                <a:cs typeface="Calibri" panose="020F0502020204030204" pitchFamily="34" charset="0"/>
+              </a:rPr>
+              <a:t>Functionally correct implementation of </a:t>
+            </a:r>
+            <a:r>
+              <a:rPr lang="en-US" dirty="0" err="1">
+                <a:latin typeface="+mj-lt"/>
+                <a:cs typeface="Calibri" panose="020F0502020204030204" pitchFamily="34" charset="0"/>
+              </a:rPr>
+              <a:t>xxlor</a:t>
+            </a:r>
+            <a:endParaRPr lang="en-US" sz="2000" b="0" i="0" u="none" strike="noStrike" baseline="0" dirty="0">
+              <a:latin typeface="+mj-lt"/>
+              <a:cs typeface="Calibri" panose="020F0502020204030204" pitchFamily="34" charset="0"/>
+            </a:endParaRPr>
+          </a:p>
+          <a:p>
+            <a:pPr lvl="1"/>
+            <a:r>
+              <a:rPr lang="en-US" dirty="0">
+                <a:latin typeface="+mj-lt"/>
+                <a:cs typeface="Calibri" panose="020F0502020204030204" pitchFamily="34" charset="0"/>
+              </a:rPr>
+              <a:t>Input &amp; output</a:t>
+            </a:r>
+            <a:endParaRPr lang="en-US" sz="1800" b="0" i="0" u="none" strike="noStrike" baseline="0" dirty="0">
+              <a:latin typeface="+mj-lt"/>
+              <a:cs typeface="Calibri" panose="020F0502020204030204" pitchFamily="34" charset="0"/>
+            </a:endParaRPr>
+          </a:p>
+          <a:p>
+            <a:pPr lvl="1"/>
+            <a:r>
+              <a:rPr lang="en-US" dirty="0">
+                <a:latin typeface="+mj-lt"/>
+                <a:cs typeface="Calibri" panose="020F0502020204030204" pitchFamily="34" charset="0"/>
+              </a:rPr>
+              <a:t>Useful links</a:t>
+            </a:r>
+            <a:endParaRPr lang="en-US" sz="1800" dirty="0">
+              <a:solidFill>
+                <a:srgbClr val="F26B17"/>
+              </a:solidFill>
+              <a:latin typeface="+mj-lt"/>
+              <a:cs typeface="Calibri" panose="020F0502020204030204" pitchFamily="34" charset="0"/>
+            </a:endParaRPr>
+          </a:p>
+          <a:p>
+            <a:pPr lvl="2"/>
+            <a:r>
+              <a:rPr lang="en-US" sz="1600" dirty="0">
+                <a:solidFill>
+                  <a:schemeClr val="accent1"/>
+                </a:solidFill>
+                <a:effectLst/>
+                <a:latin typeface="+mj-lt"/>
+                <a:ea typeface="Arial" panose="020B0604020202020204" pitchFamily="34" charset="0"/>
+              </a:rPr>
+              <a:t>Demo from the Open Power Summit:  </a:t>
+            </a:r>
+            <a:r>
+              <a:rPr lang="en-US" sz="1600" u="sng" dirty="0">
+                <a:solidFill>
+                  <a:srgbClr val="000000"/>
+                </a:solidFill>
+                <a:effectLst/>
+                <a:latin typeface="+mj-lt"/>
+                <a:ea typeface="Arial" panose="020B0604020202020204" pitchFamily="34" charset="0"/>
+                <a:hlinkClick r:id="rId3"/>
+              </a:rPr>
+              <a:t>https://youtu.be/g3slH03MCmo?t=526</a:t>
+            </a:r>
+            <a:r>
+              <a:rPr lang="en-US" sz="1600" dirty="0">
+                <a:solidFill>
+                  <a:srgbClr val="000000"/>
+                </a:solidFill>
+                <a:effectLst/>
+                <a:latin typeface="+mj-lt"/>
+                <a:ea typeface="Arial" panose="020B0604020202020204" pitchFamily="34" charset="0"/>
+              </a:rPr>
+              <a:t> </a:t>
+            </a:r>
+            <a:endParaRPr lang="en-US" sz="1600" dirty="0">
+              <a:effectLst/>
+              <a:latin typeface="+mj-lt"/>
+              <a:ea typeface="Times New Roman" panose="02020603050405020304" pitchFamily="18" charset="0"/>
+            </a:endParaRPr>
+          </a:p>
+          <a:p>
+            <a:pPr lvl="2"/>
+            <a:r>
+              <a:rPr lang="en-US" sz="1600" dirty="0">
+                <a:solidFill>
+                  <a:schemeClr val="accent1"/>
+                </a:solidFill>
+                <a:effectLst/>
+                <a:latin typeface="+mj-lt"/>
+                <a:ea typeface="Arial" panose="020B0604020202020204" pitchFamily="34" charset="0"/>
+              </a:rPr>
+              <a:t>Step by step instructions for adding a “wait” instruction.  Great simple example.  </a:t>
+            </a:r>
+            <a:r>
+              <a:rPr lang="en-US" sz="1600" u="sng" dirty="0">
+                <a:solidFill>
+                  <a:srgbClr val="000000"/>
+                </a:solidFill>
+                <a:effectLst/>
+                <a:latin typeface="+mj-lt"/>
+                <a:ea typeface="Arial" panose="020B0604020202020204" pitchFamily="34" charset="0"/>
+                <a:hlinkClick r:id="rId4"/>
+              </a:rPr>
+              <a:t>https://www.talospace.com/2019/09/a-beginners-guide-to-hacking-microwatt.html</a:t>
+            </a:r>
+            <a:endParaRPr lang="en-US" sz="1600" dirty="0">
+              <a:latin typeface="+mj-lt"/>
+              <a:cs typeface="Calibri" panose="020F0502020204030204" pitchFamily="34" charset="0"/>
+            </a:endParaRPr>
+          </a:p>
+          <a:p>
+            <a:pPr lvl="2"/>
+            <a:endParaRPr lang="en-US" dirty="0">
+              <a:latin typeface="+mj-lt"/>
+              <a:cs typeface="Calibri" panose="020F0502020204030204" pitchFamily="34" charset="0"/>
+            </a:endParaRPr>
+          </a:p>
+          <a:p>
+            <a:pPr lvl="2"/>
+            <a:endParaRPr lang="en-US" sz="2000" b="0" i="0" u="none" strike="noStrike" baseline="0" dirty="0">
+              <a:latin typeface="+mj-lt"/>
+              <a:cs typeface="Calibri" panose="020F0502020204030204" pitchFamily="34" charset="0"/>
+            </a:endParaRPr>
+          </a:p>
+          <a:p>
+            <a:pPr lvl="2"/>
+            <a:endParaRPr lang="en-US" sz="2000" dirty="0">
+              <a:latin typeface="+mj-lt"/>
+              <a:cs typeface="Calibri" panose="020F0502020204030204" pitchFamily="34" charset="0"/>
+            </a:endParaRPr>
+          </a:p>
+          <a:p>
+            <a:pPr lvl="1"/>
+            <a:endParaRPr lang="en-US" sz="1800" dirty="0">
+              <a:latin typeface="+mj-lt"/>
+              <a:cs typeface="Calibri" panose="020F0502020204030204" pitchFamily="34" charset="0"/>
+            </a:endParaRPr>
+          </a:p>
+          <a:p>
+            <a:pPr lvl="1"/>
+            <a:endParaRPr lang="en-US" sz="1800" dirty="0">
+              <a:latin typeface="+mj-lt"/>
+              <a:cs typeface="Calibri" panose="020F0502020204030204" pitchFamily="34" charset="0"/>
+            </a:endParaRPr>
+          </a:p>
+          <a:p>
+            <a:pPr lvl="1"/>
+            <a:endParaRPr lang="en-US" sz="1800" dirty="0">
+              <a:latin typeface="+mj-lt"/>
+              <a:cs typeface="Calibri" panose="020F0502020204030204" pitchFamily="34" charset="0"/>
+            </a:endParaRPr>
+          </a:p>
+          <a:p>
+            <a:pPr lvl="1"/>
+            <a:endParaRPr lang="en-US" sz="1800" dirty="0">
+              <a:latin typeface="+mj-lt"/>
+              <a:cs typeface="Calibri" panose="020F0502020204030204" pitchFamily="34" charset="0"/>
+            </a:endParaRPr>
+          </a:p>
+          <a:p>
+            <a:pPr lvl="1"/>
+            <a:endParaRPr lang="en-US" sz="1800" dirty="0">
+              <a:latin typeface="+mj-lt"/>
+              <a:cs typeface="Calibri" panose="020F0502020204030204" pitchFamily="34" charset="0"/>
+            </a:endParaRPr>
+          </a:p>
+          <a:p>
+            <a:pPr lvl="1"/>
+            <a:endParaRPr lang="en-US" sz="1800" dirty="0">
+              <a:latin typeface="+mj-lt"/>
+              <a:cs typeface="Calibri" panose="020F0502020204030204" pitchFamily="34" charset="0"/>
+            </a:endParaRPr>
+          </a:p>
+        </p:txBody>
+      </p:sp>
+      <p:pic>
+        <p:nvPicPr>
+          <p:cNvPr id="5" name="Picture 4">
+            <a:extLst>
+              <a:ext uri="{FF2B5EF4-FFF2-40B4-BE49-F238E27FC236}">
+                <a16:creationId xmlns:a16="http://schemas.microsoft.com/office/drawing/2014/main" id="{9B605392-2CB8-8769-F15E-458356CF9D0F}"/>
+              </a:ext>
+            </a:extLst>
+          </p:cNvPr>
+          <p:cNvPicPr>
+            <a:picLocks noChangeAspect="1"/>
+          </p:cNvPicPr>
+          <p:nvPr/>
+        </p:nvPicPr>
+        <p:blipFill>
+          <a:blip r:embed="rId5"/>
+          <a:stretch>
+            <a:fillRect/>
+          </a:stretch>
+        </p:blipFill>
+        <p:spPr>
+          <a:xfrm>
+            <a:off x="5804105" y="952346"/>
+            <a:ext cx="2933700" cy="4333875"/>
+          </a:xfrm>
+          <a:prstGeom prst="rect">
+            <a:avLst/>
+          </a:prstGeom>
+        </p:spPr>
+      </p:pic>
+      <p:sp>
+        <p:nvSpPr>
+          <p:cNvPr id="6" name="Text Placeholder 2">
+            <a:extLst>
+              <a:ext uri="{FF2B5EF4-FFF2-40B4-BE49-F238E27FC236}">
+                <a16:creationId xmlns:a16="http://schemas.microsoft.com/office/drawing/2014/main" id="{4B8A4112-C204-63BB-59FA-4AADA85A624D}"/>
+              </a:ext>
+            </a:extLst>
+          </p:cNvPr>
+          <p:cNvSpPr txBox="1">
+            <a:spLocks/>
+          </p:cNvSpPr>
+          <p:nvPr/>
+        </p:nvSpPr>
+        <p:spPr>
+          <a:xfrm>
+            <a:off x="5804105" y="5158401"/>
+            <a:ext cx="3170903" cy="318166"/>
+          </a:xfrm>
+          <a:prstGeom prst="rect">
+            <a:avLst/>
+          </a:prstGeom>
+          <a:noFill/>
+          <a:ln>
+            <a:noFill/>
+          </a:ln>
+        </p:spPr>
+        <p:txBody>
+          <a:bodyPr spcFirstLastPara="1" wrap="square" lIns="91425" tIns="45700" rIns="91425" bIns="45700" anchor="t" anchorCtr="0">
+            <a:noAutofit/>
+          </a:bodyPr>
+          <a:lstStyle>
+            <a:defPPr marR="0" lvl="0" algn="l" rtl="0">
+              <a:lnSpc>
+                <a:spcPct val="100000"/>
+              </a:lnSpc>
+              <a:spcBef>
+                <a:spcPts val="0"/>
+              </a:spcBef>
+              <a:spcAft>
+                <a:spcPts val="0"/>
+              </a:spcAft>
+            </a:defPPr>
+            <a:lvl1pPr marL="457200" marR="0" lvl="0" indent="-342900" algn="l" rtl="0">
+              <a:lnSpc>
+                <a:spcPct val="100000"/>
+              </a:lnSpc>
+              <a:spcBef>
+                <a:spcPts val="360"/>
+              </a:spcBef>
+              <a:spcAft>
+                <a:spcPts val="0"/>
+              </a:spcAft>
+              <a:buClr>
+                <a:schemeClr val="dk1"/>
+              </a:buClr>
+              <a:buSzPct val="88000"/>
+              <a:buFont typeface="Gill Sans"/>
+              <a:buChar char="•"/>
+              <a:defRPr sz="2400" b="0" i="0" u="none" strike="noStrike" cap="none">
+                <a:solidFill>
+                  <a:schemeClr val="dk1"/>
+                </a:solidFill>
+                <a:latin typeface="Gill Sans"/>
+                <a:ea typeface="Gill Sans"/>
+                <a:cs typeface="Gill Sans"/>
+                <a:sym typeface="Gill Sans"/>
+              </a:defRPr>
+            </a:lvl1pPr>
+            <a:lvl2pPr marL="914400" marR="0" lvl="1" indent="-342900" algn="l" rtl="0">
+              <a:lnSpc>
+                <a:spcPct val="100000"/>
+              </a:lnSpc>
+              <a:spcBef>
+                <a:spcPts val="360"/>
+              </a:spcBef>
+              <a:spcAft>
+                <a:spcPts val="0"/>
+              </a:spcAft>
+              <a:buClr>
+                <a:srgbClr val="930035"/>
+              </a:buClr>
+              <a:buSzPts val="1800"/>
+              <a:buFont typeface="Gill Sans"/>
+              <a:buChar char="–"/>
+              <a:defRPr sz="2000" b="0" i="0" u="none" strike="noStrike" cap="none">
+                <a:solidFill>
+                  <a:srgbClr val="930035"/>
+                </a:solidFill>
+                <a:latin typeface="Gill Sans"/>
+                <a:ea typeface="Gill Sans"/>
+                <a:cs typeface="Gill Sans"/>
+                <a:sym typeface="Gill Sans"/>
+              </a:defRPr>
+            </a:lvl2pPr>
+            <a:lvl3pPr marL="1371600" marR="0" lvl="2" indent="-342900" algn="l" rtl="0">
+              <a:lnSpc>
+                <a:spcPct val="100000"/>
+              </a:lnSpc>
+              <a:spcBef>
+                <a:spcPts val="360"/>
+              </a:spcBef>
+              <a:spcAft>
+                <a:spcPts val="0"/>
+              </a:spcAft>
+              <a:buClr>
+                <a:srgbClr val="F26B17"/>
+              </a:buClr>
+              <a:buSzPts val="1800"/>
+              <a:buFont typeface="Gill Sans"/>
+              <a:buChar char="•"/>
+              <a:defRPr sz="1800" b="0" i="0" u="none" strike="noStrike" cap="none">
+                <a:solidFill>
+                  <a:srgbClr val="F26B17"/>
+                </a:solidFill>
+                <a:latin typeface="Gill Sans"/>
+                <a:ea typeface="Gill Sans"/>
+                <a:cs typeface="Gill Sans"/>
+                <a:sym typeface="Gill Sans"/>
+              </a:defRPr>
+            </a:lvl3pPr>
+            <a:lvl4pPr marL="1828800" marR="0" lvl="3" indent="-342900" algn="l" rtl="0">
+              <a:lnSpc>
+                <a:spcPct val="100000"/>
+              </a:lnSpc>
+              <a:spcBef>
+                <a:spcPts val="360"/>
+              </a:spcBef>
+              <a:spcAft>
+                <a:spcPts val="0"/>
+              </a:spcAft>
+              <a:buClr>
+                <a:srgbClr val="930035"/>
+              </a:buClr>
+              <a:buSzPts val="1800"/>
+              <a:buFont typeface="Gill Sans"/>
+              <a:buChar char="–"/>
+              <a:defRPr sz="1800" b="0" i="0" u="none" strike="noStrike" cap="none">
+                <a:solidFill>
+                  <a:srgbClr val="930035"/>
+                </a:solidFill>
+                <a:latin typeface="Gill Sans"/>
+                <a:ea typeface="Gill Sans"/>
+                <a:cs typeface="Gill Sans"/>
+                <a:sym typeface="Gill Sans"/>
+              </a:defRPr>
+            </a:lvl4pPr>
+            <a:lvl5pPr marL="2286000" marR="0" lvl="4" indent="-342900" algn="l" rtl="0">
+              <a:lnSpc>
+                <a:spcPct val="100000"/>
+              </a:lnSpc>
+              <a:spcBef>
+                <a:spcPts val="360"/>
+              </a:spcBef>
+              <a:spcAft>
+                <a:spcPts val="0"/>
+              </a:spcAft>
+              <a:buClr>
+                <a:srgbClr val="F26B17"/>
+              </a:buClr>
+              <a:buSzPts val="1800"/>
+              <a:buFont typeface="Gill Sans"/>
+              <a:buChar char="»"/>
+              <a:defRPr sz="1800" b="0" i="0" u="none" strike="noStrike" cap="none">
+                <a:solidFill>
+                  <a:srgbClr val="F26B17"/>
+                </a:solidFill>
+                <a:latin typeface="Gill Sans"/>
+                <a:ea typeface="Gill Sans"/>
+                <a:cs typeface="Gill Sans"/>
+                <a:sym typeface="Gill Sans"/>
+              </a:defRPr>
+            </a:lvl5pPr>
+            <a:lvl6pPr marL="2743200" marR="0" lvl="5" indent="-342900" algn="l" rtl="0">
+              <a:lnSpc>
+                <a:spcPct val="100000"/>
+              </a:lnSpc>
+              <a:spcBef>
+                <a:spcPts val="360"/>
+              </a:spcBef>
+              <a:spcAft>
+                <a:spcPts val="0"/>
+              </a:spcAft>
+              <a:buClr>
+                <a:srgbClr val="F26B17"/>
+              </a:buClr>
+              <a:buSzPts val="1800"/>
+              <a:buFont typeface="Gill Sans"/>
+              <a:buChar char="»"/>
+              <a:defRPr sz="1800" b="0" i="0" u="none" strike="noStrike" cap="none">
+                <a:solidFill>
+                  <a:srgbClr val="F26B17"/>
+                </a:solidFill>
+                <a:latin typeface="Gill Sans"/>
+                <a:ea typeface="Gill Sans"/>
+                <a:cs typeface="Gill Sans"/>
+                <a:sym typeface="Gill Sans"/>
+              </a:defRPr>
+            </a:lvl6pPr>
+            <a:lvl7pPr marL="3200400" marR="0" lvl="6" indent="-342900" algn="l" rtl="0">
+              <a:lnSpc>
+                <a:spcPct val="100000"/>
+              </a:lnSpc>
+              <a:spcBef>
+                <a:spcPts val="360"/>
+              </a:spcBef>
+              <a:spcAft>
+                <a:spcPts val="0"/>
+              </a:spcAft>
+              <a:buClr>
+                <a:srgbClr val="F26B17"/>
+              </a:buClr>
+              <a:buSzPts val="1800"/>
+              <a:buFont typeface="Gill Sans"/>
+              <a:buChar char="»"/>
+              <a:defRPr sz="1800" b="0" i="0" u="none" strike="noStrike" cap="none">
+                <a:solidFill>
+                  <a:srgbClr val="F26B17"/>
+                </a:solidFill>
+                <a:latin typeface="Gill Sans"/>
+                <a:ea typeface="Gill Sans"/>
+                <a:cs typeface="Gill Sans"/>
+                <a:sym typeface="Gill Sans"/>
+              </a:defRPr>
+            </a:lvl7pPr>
+            <a:lvl8pPr marL="3657600" marR="0" lvl="7" indent="-342900" algn="l" rtl="0">
+              <a:lnSpc>
+                <a:spcPct val="100000"/>
+              </a:lnSpc>
+              <a:spcBef>
+                <a:spcPts val="360"/>
+              </a:spcBef>
+              <a:spcAft>
+                <a:spcPts val="0"/>
+              </a:spcAft>
+              <a:buClr>
+                <a:srgbClr val="F26B17"/>
+              </a:buClr>
+              <a:buSzPts val="1800"/>
+              <a:buFont typeface="Gill Sans"/>
+              <a:buChar char="»"/>
+              <a:defRPr sz="1800" b="0" i="0" u="none" strike="noStrike" cap="none">
+                <a:solidFill>
+                  <a:srgbClr val="F26B17"/>
+                </a:solidFill>
+                <a:latin typeface="Gill Sans"/>
+                <a:ea typeface="Gill Sans"/>
+                <a:cs typeface="Gill Sans"/>
+                <a:sym typeface="Gill Sans"/>
+              </a:defRPr>
+            </a:lvl8pPr>
+            <a:lvl9pPr marL="4114800" marR="0" lvl="8" indent="-342900" algn="l" rtl="0">
+              <a:lnSpc>
+                <a:spcPct val="100000"/>
+              </a:lnSpc>
+              <a:spcBef>
+                <a:spcPts val="360"/>
+              </a:spcBef>
+              <a:spcAft>
+                <a:spcPts val="0"/>
+              </a:spcAft>
+              <a:buClr>
+                <a:srgbClr val="F26B17"/>
+              </a:buClr>
+              <a:buSzPts val="1800"/>
+              <a:buFont typeface="Gill Sans"/>
+              <a:buChar char="»"/>
+              <a:defRPr sz="1800" b="0" i="0" u="none" strike="noStrike" cap="none">
+                <a:solidFill>
+                  <a:srgbClr val="F26B17"/>
+                </a:solidFill>
+                <a:latin typeface="Gill Sans"/>
+                <a:ea typeface="Gill Sans"/>
+                <a:cs typeface="Gill Sans"/>
+                <a:sym typeface="Gill Sans"/>
+              </a:defRPr>
+            </a:lvl9pPr>
+          </a:lstStyle>
+          <a:p>
+            <a:pPr marL="114300" indent="0">
+              <a:buNone/>
+            </a:pPr>
+            <a:r>
+              <a:rPr lang="en-US" sz="2000" dirty="0">
+                <a:latin typeface="+mj-lt"/>
+                <a:cs typeface="Calibri" panose="020F0502020204030204" pitchFamily="34" charset="0"/>
+              </a:rPr>
+              <a:t>Source: </a:t>
+            </a:r>
+            <a:r>
+              <a:rPr lang="en-US" sz="2000" dirty="0">
+                <a:latin typeface="+mj-lt"/>
+                <a:cs typeface="Calibri" panose="020F0502020204030204" pitchFamily="34" charset="0"/>
+                <a:hlinkClick r:id="rId6"/>
+              </a:rPr>
+              <a:t>POWER ISA v3.0B</a:t>
+            </a:r>
+            <a:endParaRPr lang="en-US" dirty="0">
+              <a:latin typeface="+mj-lt"/>
+              <a:cs typeface="Calibri" panose="020F0502020204030204" pitchFamily="34" charset="0"/>
+            </a:endParaRPr>
+          </a:p>
+          <a:p>
+            <a:pPr lvl="2"/>
+            <a:endParaRPr lang="en-US" dirty="0">
+              <a:latin typeface="+mj-lt"/>
+              <a:cs typeface="Calibri" panose="020F0502020204030204" pitchFamily="34" charset="0"/>
+            </a:endParaRPr>
+          </a:p>
+          <a:p>
+            <a:pPr lvl="2"/>
+            <a:endParaRPr lang="en-US" dirty="0">
+              <a:latin typeface="+mj-lt"/>
+              <a:cs typeface="Calibri" panose="020F0502020204030204" pitchFamily="34" charset="0"/>
+            </a:endParaRPr>
+          </a:p>
+          <a:p>
+            <a:pPr lvl="2"/>
+            <a:endParaRPr lang="en-US" sz="2000" dirty="0">
+              <a:latin typeface="+mj-lt"/>
+              <a:cs typeface="Calibri" panose="020F0502020204030204" pitchFamily="34" charset="0"/>
+            </a:endParaRPr>
+          </a:p>
+          <a:p>
+            <a:pPr lvl="2"/>
+            <a:endParaRPr lang="en-US" sz="2000" dirty="0">
+              <a:latin typeface="+mj-lt"/>
+              <a:cs typeface="Calibri" panose="020F0502020204030204" pitchFamily="34" charset="0"/>
+            </a:endParaRPr>
+          </a:p>
+          <a:p>
+            <a:pPr lvl="1"/>
+            <a:endParaRPr lang="en-US" sz="1800" dirty="0">
+              <a:latin typeface="+mj-lt"/>
+              <a:cs typeface="Calibri" panose="020F0502020204030204" pitchFamily="34" charset="0"/>
+            </a:endParaRPr>
+          </a:p>
+          <a:p>
+            <a:pPr lvl="1"/>
+            <a:endParaRPr lang="en-US" sz="1800" dirty="0">
+              <a:latin typeface="+mj-lt"/>
+              <a:cs typeface="Calibri" panose="020F0502020204030204" pitchFamily="34" charset="0"/>
+            </a:endParaRPr>
+          </a:p>
+          <a:p>
+            <a:pPr lvl="1"/>
+            <a:endParaRPr lang="en-US" sz="1800" dirty="0">
+              <a:latin typeface="+mj-lt"/>
+              <a:cs typeface="Calibri" panose="020F0502020204030204" pitchFamily="34" charset="0"/>
+            </a:endParaRPr>
+          </a:p>
+          <a:p>
+            <a:pPr lvl="1"/>
+            <a:endParaRPr lang="en-US" sz="1800" dirty="0">
+              <a:latin typeface="+mj-lt"/>
+              <a:cs typeface="Calibri" panose="020F0502020204030204" pitchFamily="34" charset="0"/>
+            </a:endParaRPr>
+          </a:p>
+          <a:p>
+            <a:pPr lvl="1"/>
+            <a:endParaRPr lang="en-US" sz="1800" dirty="0">
+              <a:latin typeface="+mj-lt"/>
+              <a:cs typeface="Calibri" panose="020F0502020204030204" pitchFamily="34" charset="0"/>
+            </a:endParaRPr>
+          </a:p>
+          <a:p>
+            <a:pPr lvl="1"/>
+            <a:endParaRPr lang="en-US" sz="1800" dirty="0">
+              <a:latin typeface="+mj-lt"/>
+              <a:cs typeface="Calibri" panose="020F0502020204030204" pitchFamily="34" charset="0"/>
+            </a:endParaRPr>
+          </a:p>
+        </p:txBody>
+      </p:sp>
+      <p:cxnSp>
+        <p:nvCxnSpPr>
+          <p:cNvPr id="8" name="Connector: Curved 7">
+            <a:extLst>
+              <a:ext uri="{FF2B5EF4-FFF2-40B4-BE49-F238E27FC236}">
+                <a16:creationId xmlns:a16="http://schemas.microsoft.com/office/drawing/2014/main" id="{A699CBDD-D8AA-EC02-6A8A-0972575C97E0}"/>
+              </a:ext>
+            </a:extLst>
+          </p:cNvPr>
+          <p:cNvCxnSpPr>
+            <a:cxnSpLocks/>
+          </p:cNvCxnSpPr>
+          <p:nvPr/>
+        </p:nvCxnSpPr>
+        <p:spPr>
+          <a:xfrm flipV="1">
+            <a:off x="2842446" y="1409700"/>
+            <a:ext cx="3160148" cy="1549811"/>
+          </a:xfrm>
+          <a:prstGeom prst="curvedConnector3">
+            <a:avLst>
+              <a:gd name="adj1" fmla="val 50000"/>
+            </a:avLst>
+          </a:prstGeom>
+          <a:ln>
+            <a:tailEnd type="triangle"/>
+          </a:ln>
+        </p:spPr>
+        <p:style>
+          <a:lnRef idx="1">
+            <a:schemeClr val="accent1"/>
+          </a:lnRef>
+          <a:fillRef idx="0">
+            <a:schemeClr val="accent1"/>
+          </a:fillRef>
+          <a:effectRef idx="0">
+            <a:schemeClr val="accent1"/>
+          </a:effectRef>
+          <a:fontRef idx="minor">
+            <a:schemeClr val="tx1"/>
+          </a:fontRef>
+        </p:style>
+      </p:cxnSp>
+    </p:spTree>
+    <p:extLst>
+      <p:ext uri="{BB962C8B-B14F-4D97-AF65-F5344CB8AC3E}">
+        <p14:creationId xmlns:p14="http://schemas.microsoft.com/office/powerpoint/2010/main" val="2568538437"/>
       </p:ext>
     </p:extLst>
   </p:cSld>
@@ -12452,22 +13479,22 @@
         <a:srgbClr val="B26B02"/>
       </a:folHlink>
     </a:clrScheme>
-    <a:fontScheme name="Office">
+    <a:fontScheme name="Candara">
       <a:majorFont>
-        <a:latin typeface="Arial"/>
+        <a:latin typeface="Candara" panose="020E0502030303020204"/>
         <a:ea typeface=""/>
         <a:cs typeface=""/>
-        <a:font script="Jpan" typeface="ＭＳ Ｐゴシック"/>
-        <a:font script="Hang" typeface="맑은 고딕"/>
-        <a:font script="Hans" typeface="宋体"/>
+        <a:font script="Jpan" typeface="HGｺﾞｼｯｸM"/>
+        <a:font script="Hang" typeface="HY엽서L"/>
+        <a:font script="Hans" typeface="华文楷体"/>
         <a:font script="Hant" typeface="新細明體"/>
-        <a:font script="Arab" typeface="Times New Roman"/>
-        <a:font script="Hebr" typeface="Times New Roman"/>
-        <a:font script="Thai" typeface="Angsana New"/>
+        <a:font script="Arab" typeface="Tahoma"/>
+        <a:font script="Hebr" typeface="Miriam"/>
+        <a:font script="Thai" typeface="DilleniaUPC"/>
         <a:font script="Ethi" typeface="Nyala"/>
         <a:font script="Beng" typeface="Vrinda"/>
         <a:font script="Gujr" typeface="Shruti"/>
-        <a:font script="Khmr" typeface="MoolBoran"/>
+        <a:font script="Khmr" typeface="DaunPenh"/>
         <a:font script="Knda" typeface="Tunga"/>
         <a:font script="Guru" typeface="Raavi"/>
         <a:font script="Cans" typeface="Euphemia"/>
@@ -12484,21 +13511,21 @@
         <a:font script="Laoo" typeface="DokChampa"/>
         <a:font script="Sinh" typeface="Iskoola Pota"/>
         <a:font script="Mong" typeface="Mongolian Baiti"/>
-        <a:font script="Viet" typeface="Times New Roman"/>
+        <a:font script="Viet" typeface="Arial"/>
         <a:font script="Uigh" typeface="Microsoft Uighur"/>
         <a:font script="Geor" typeface="Sylfaen"/>
       </a:majorFont>
       <a:minorFont>
-        <a:latin typeface="Arial"/>
+        <a:latin typeface="Candara" panose="020E0502030303020204"/>
         <a:ea typeface=""/>
         <a:cs typeface=""/>
-        <a:font script="Jpan" typeface="ＭＳ Ｐゴシック"/>
-        <a:font script="Hang" typeface="맑은 고딕"/>
-        <a:font script="Hans" typeface="宋体"/>
+        <a:font script="Jpan" typeface="HGｺﾞｼｯｸM"/>
+        <a:font script="Hang" typeface="HY엽서L"/>
+        <a:font script="Hans" typeface="华文楷体"/>
         <a:font script="Hant" typeface="新細明體"/>
-        <a:font script="Arab" typeface="Arial"/>
-        <a:font script="Hebr" typeface="Arial"/>
-        <a:font script="Thai" typeface="Cordia New"/>
+        <a:font script="Arab" typeface="Tahoma"/>
+        <a:font script="Hebr" typeface="Miriam"/>
+        <a:font script="Thai" typeface="DilleniaUPC"/>
         <a:font script="Ethi" typeface="Nyala"/>
         <a:font script="Beng" typeface="Vrinda"/>
         <a:font script="Gujr" typeface="Shruti"/>
